--- a/ppt 16-9/0931.作主精兵.pptx
+++ b/ppt 16-9/0931.作主精兵.pptx
@@ -5,7 +5,7 @@
     <p:sldMasterId id="2147483648" r:id="rId1"/>
   </p:sldMasterIdLst>
   <p:sldIdLst>
-    <p:sldId id="302" r:id="rId2"/>
+    <p:sldId id="304" r:id="rId2"/>
   </p:sldIdLst>
   <p:sldSz cx="12192000" cy="6858000"/>
   <p:notesSz cx="6858000" cy="9144000"/>
@@ -129,7 +129,7 @@
           <p:cNvPr id="2" name="标题 1">
             <a:extLst>
               <a:ext uri="{FF2B5EF4-FFF2-40B4-BE49-F238E27FC236}">
-                <a16:creationId xmlns:a16="http://schemas.microsoft.com/office/drawing/2014/main" id="{183A77BB-13AB-22B5-8382-6005FF730314}"/>
+                <a16:creationId xmlns:a16="http://schemas.microsoft.com/office/drawing/2014/main" id="{5300937B-7158-6338-47EE-496BCF5E03D3}"/>
               </a:ext>
             </a:extLst>
           </p:cNvPr>
@@ -166,7 +166,7 @@
           <p:cNvPr id="3" name="副标题 2">
             <a:extLst>
               <a:ext uri="{FF2B5EF4-FFF2-40B4-BE49-F238E27FC236}">
-                <a16:creationId xmlns:a16="http://schemas.microsoft.com/office/drawing/2014/main" id="{8F5A8FF8-A4C8-9332-093D-224B38D3A9CF}"/>
+                <a16:creationId xmlns:a16="http://schemas.microsoft.com/office/drawing/2014/main" id="{46093C6B-04D0-E289-FC24-2A57BDCAE390}"/>
               </a:ext>
             </a:extLst>
           </p:cNvPr>
@@ -236,7 +236,7 @@
           <p:cNvPr id="4" name="日期占位符 3">
             <a:extLst>
               <a:ext uri="{FF2B5EF4-FFF2-40B4-BE49-F238E27FC236}">
-                <a16:creationId xmlns:a16="http://schemas.microsoft.com/office/drawing/2014/main" id="{669F66B6-1EFF-C16C-6B72-031850CEE3AB}"/>
+                <a16:creationId xmlns:a16="http://schemas.microsoft.com/office/drawing/2014/main" id="{B7DD164B-C91B-E8D1-CA14-C60A5CB57918}"/>
               </a:ext>
             </a:extLst>
           </p:cNvPr>
@@ -252,7 +252,7 @@
           <a:bodyPr/>
           <a:lstStyle/>
           <a:p>
-            <a:fld id="{32914532-9450-4AE5-A7EB-5BCE9530AD7D}" type="datetimeFigureOut">
+            <a:fld id="{72DBFE9D-718E-4847-8706-91CF311FD935}" type="datetimeFigureOut">
               <a:rPr lang="zh-CN" altLang="en-US" smtClean="0"/>
               <a:t>2024/3/10</a:t>
             </a:fld>
@@ -265,7 +265,7 @@
           <p:cNvPr id="5" name="页脚占位符 4">
             <a:extLst>
               <a:ext uri="{FF2B5EF4-FFF2-40B4-BE49-F238E27FC236}">
-                <a16:creationId xmlns:a16="http://schemas.microsoft.com/office/drawing/2014/main" id="{DB52BFA5-9871-9BEC-D36D-4F0AF7D56E77}"/>
+                <a16:creationId xmlns:a16="http://schemas.microsoft.com/office/drawing/2014/main" id="{C449FE7B-E343-BCD9-8667-19B78DC33EAE}"/>
               </a:ext>
             </a:extLst>
           </p:cNvPr>
@@ -290,7 +290,7 @@
           <p:cNvPr id="6" name="灯片编号占位符 5">
             <a:extLst>
               <a:ext uri="{FF2B5EF4-FFF2-40B4-BE49-F238E27FC236}">
-                <a16:creationId xmlns:a16="http://schemas.microsoft.com/office/drawing/2014/main" id="{F715CE54-BD6C-2CFD-B095-4E6BD835F61D}"/>
+                <a16:creationId xmlns:a16="http://schemas.microsoft.com/office/drawing/2014/main" id="{3080274C-DEFE-0CD8-0D48-76EADF048A6B}"/>
               </a:ext>
             </a:extLst>
           </p:cNvPr>
@@ -306,7 +306,7 @@
           <a:bodyPr/>
           <a:lstStyle/>
           <a:p>
-            <a:fld id="{8959A16C-4F31-43AE-8D6A-13767D798393}" type="slidenum">
+            <a:fld id="{B57A5061-FC1E-476C-91A0-D2CDC37F79C4}" type="slidenum">
               <a:rPr lang="zh-CN" altLang="en-US" smtClean="0"/>
               <a:t>‹#›</a:t>
             </a:fld>
@@ -317,7 +317,7 @@
     </p:spTree>
     <p:extLst>
       <p:ext uri="{BB962C8B-B14F-4D97-AF65-F5344CB8AC3E}">
-        <p14:creationId xmlns:p14="http://schemas.microsoft.com/office/powerpoint/2010/main" val="3034606725"/>
+        <p14:creationId xmlns:p14="http://schemas.microsoft.com/office/powerpoint/2010/main" val="2423547137"/>
       </p:ext>
     </p:extLst>
   </p:cSld>
@@ -349,7 +349,7 @@
           <p:cNvPr id="2" name="标题 1">
             <a:extLst>
               <a:ext uri="{FF2B5EF4-FFF2-40B4-BE49-F238E27FC236}">
-                <a16:creationId xmlns:a16="http://schemas.microsoft.com/office/drawing/2014/main" id="{3146EF49-7009-67F1-7523-C11C616BFAA7}"/>
+                <a16:creationId xmlns:a16="http://schemas.microsoft.com/office/drawing/2014/main" id="{A5E69A2B-F850-5EAE-CC40-2466DDA766EC}"/>
               </a:ext>
             </a:extLst>
           </p:cNvPr>
@@ -377,7 +377,7 @@
           <p:cNvPr id="3" name="竖排文字占位符 2">
             <a:extLst>
               <a:ext uri="{FF2B5EF4-FFF2-40B4-BE49-F238E27FC236}">
-                <a16:creationId xmlns:a16="http://schemas.microsoft.com/office/drawing/2014/main" id="{1CE35747-0748-CC32-D5F8-F89027975368}"/>
+                <a16:creationId xmlns:a16="http://schemas.microsoft.com/office/drawing/2014/main" id="{71A02DC9-0DA1-3245-D055-0640F279F5FE}"/>
               </a:ext>
             </a:extLst>
           </p:cNvPr>
@@ -434,7 +434,7 @@
           <p:cNvPr id="4" name="日期占位符 3">
             <a:extLst>
               <a:ext uri="{FF2B5EF4-FFF2-40B4-BE49-F238E27FC236}">
-                <a16:creationId xmlns:a16="http://schemas.microsoft.com/office/drawing/2014/main" id="{F08AE054-AB90-66A0-CFAA-99DB54D40D46}"/>
+                <a16:creationId xmlns:a16="http://schemas.microsoft.com/office/drawing/2014/main" id="{D254DC6B-8538-4CBE-0382-2443792198E8}"/>
               </a:ext>
             </a:extLst>
           </p:cNvPr>
@@ -450,7 +450,7 @@
           <a:bodyPr/>
           <a:lstStyle/>
           <a:p>
-            <a:fld id="{32914532-9450-4AE5-A7EB-5BCE9530AD7D}" type="datetimeFigureOut">
+            <a:fld id="{72DBFE9D-718E-4847-8706-91CF311FD935}" type="datetimeFigureOut">
               <a:rPr lang="zh-CN" altLang="en-US" smtClean="0"/>
               <a:t>2024/3/10</a:t>
             </a:fld>
@@ -463,7 +463,7 @@
           <p:cNvPr id="5" name="页脚占位符 4">
             <a:extLst>
               <a:ext uri="{FF2B5EF4-FFF2-40B4-BE49-F238E27FC236}">
-                <a16:creationId xmlns:a16="http://schemas.microsoft.com/office/drawing/2014/main" id="{39675896-AE10-BE8A-78E6-25DDA9DCDDE6}"/>
+                <a16:creationId xmlns:a16="http://schemas.microsoft.com/office/drawing/2014/main" id="{E4AA3B9D-424F-DBAE-71F8-010E2B2BC775}"/>
               </a:ext>
             </a:extLst>
           </p:cNvPr>
@@ -488,7 +488,7 @@
           <p:cNvPr id="6" name="灯片编号占位符 5">
             <a:extLst>
               <a:ext uri="{FF2B5EF4-FFF2-40B4-BE49-F238E27FC236}">
-                <a16:creationId xmlns:a16="http://schemas.microsoft.com/office/drawing/2014/main" id="{EE4E74F9-5434-3466-391F-0F603D1D9264}"/>
+                <a16:creationId xmlns:a16="http://schemas.microsoft.com/office/drawing/2014/main" id="{E894EC2D-CDCA-DBFD-93F6-720048A5C468}"/>
               </a:ext>
             </a:extLst>
           </p:cNvPr>
@@ -504,7 +504,7 @@
           <a:bodyPr/>
           <a:lstStyle/>
           <a:p>
-            <a:fld id="{8959A16C-4F31-43AE-8D6A-13767D798393}" type="slidenum">
+            <a:fld id="{B57A5061-FC1E-476C-91A0-D2CDC37F79C4}" type="slidenum">
               <a:rPr lang="zh-CN" altLang="en-US" smtClean="0"/>
               <a:t>‹#›</a:t>
             </a:fld>
@@ -515,7 +515,7 @@
     </p:spTree>
     <p:extLst>
       <p:ext uri="{BB962C8B-B14F-4D97-AF65-F5344CB8AC3E}">
-        <p14:creationId xmlns:p14="http://schemas.microsoft.com/office/powerpoint/2010/main" val="3561531816"/>
+        <p14:creationId xmlns:p14="http://schemas.microsoft.com/office/powerpoint/2010/main" val="791192500"/>
       </p:ext>
     </p:extLst>
   </p:cSld>
@@ -547,7 +547,7 @@
           <p:cNvPr id="2" name="竖排标题 1">
             <a:extLst>
               <a:ext uri="{FF2B5EF4-FFF2-40B4-BE49-F238E27FC236}">
-                <a16:creationId xmlns:a16="http://schemas.microsoft.com/office/drawing/2014/main" id="{357D9F2C-ED3C-EB55-6707-82A66FA0458A}"/>
+                <a16:creationId xmlns:a16="http://schemas.microsoft.com/office/drawing/2014/main" id="{B295DCA2-F88B-8F0C-C9B0-01277BE0ECAF}"/>
               </a:ext>
             </a:extLst>
           </p:cNvPr>
@@ -580,7 +580,7 @@
           <p:cNvPr id="3" name="竖排文字占位符 2">
             <a:extLst>
               <a:ext uri="{FF2B5EF4-FFF2-40B4-BE49-F238E27FC236}">
-                <a16:creationId xmlns:a16="http://schemas.microsoft.com/office/drawing/2014/main" id="{4FF0D30E-D793-9A2E-8C22-FA11464DACC5}"/>
+                <a16:creationId xmlns:a16="http://schemas.microsoft.com/office/drawing/2014/main" id="{1B1BB611-C73C-3E16-FD57-650A24951993}"/>
               </a:ext>
             </a:extLst>
           </p:cNvPr>
@@ -642,7 +642,7 @@
           <p:cNvPr id="4" name="日期占位符 3">
             <a:extLst>
               <a:ext uri="{FF2B5EF4-FFF2-40B4-BE49-F238E27FC236}">
-                <a16:creationId xmlns:a16="http://schemas.microsoft.com/office/drawing/2014/main" id="{77F779DD-4C65-01FA-3D50-17184DEC482F}"/>
+                <a16:creationId xmlns:a16="http://schemas.microsoft.com/office/drawing/2014/main" id="{1174ACDB-1D47-1269-B1D7-79F016F398B1}"/>
               </a:ext>
             </a:extLst>
           </p:cNvPr>
@@ -658,7 +658,7 @@
           <a:bodyPr/>
           <a:lstStyle/>
           <a:p>
-            <a:fld id="{32914532-9450-4AE5-A7EB-5BCE9530AD7D}" type="datetimeFigureOut">
+            <a:fld id="{72DBFE9D-718E-4847-8706-91CF311FD935}" type="datetimeFigureOut">
               <a:rPr lang="zh-CN" altLang="en-US" smtClean="0"/>
               <a:t>2024/3/10</a:t>
             </a:fld>
@@ -671,7 +671,7 @@
           <p:cNvPr id="5" name="页脚占位符 4">
             <a:extLst>
               <a:ext uri="{FF2B5EF4-FFF2-40B4-BE49-F238E27FC236}">
-                <a16:creationId xmlns:a16="http://schemas.microsoft.com/office/drawing/2014/main" id="{DD96426E-6C14-0C16-4999-FA5BFB9604D7}"/>
+                <a16:creationId xmlns:a16="http://schemas.microsoft.com/office/drawing/2014/main" id="{41DBF8D7-1BD4-9E8A-5239-EDDF6A26D099}"/>
               </a:ext>
             </a:extLst>
           </p:cNvPr>
@@ -696,7 +696,7 @@
           <p:cNvPr id="6" name="灯片编号占位符 5">
             <a:extLst>
               <a:ext uri="{FF2B5EF4-FFF2-40B4-BE49-F238E27FC236}">
-                <a16:creationId xmlns:a16="http://schemas.microsoft.com/office/drawing/2014/main" id="{565CC95B-57A3-D494-E72F-856C8F77B0E2}"/>
+                <a16:creationId xmlns:a16="http://schemas.microsoft.com/office/drawing/2014/main" id="{889B21B0-0034-1516-2F74-FB7053B38539}"/>
               </a:ext>
             </a:extLst>
           </p:cNvPr>
@@ -712,7 +712,7 @@
           <a:bodyPr/>
           <a:lstStyle/>
           <a:p>
-            <a:fld id="{8959A16C-4F31-43AE-8D6A-13767D798393}" type="slidenum">
+            <a:fld id="{B57A5061-FC1E-476C-91A0-D2CDC37F79C4}" type="slidenum">
               <a:rPr lang="zh-CN" altLang="en-US" smtClean="0"/>
               <a:t>‹#›</a:t>
             </a:fld>
@@ -723,7 +723,7 @@
     </p:spTree>
     <p:extLst>
       <p:ext uri="{BB962C8B-B14F-4D97-AF65-F5344CB8AC3E}">
-        <p14:creationId xmlns:p14="http://schemas.microsoft.com/office/powerpoint/2010/main" val="1235331028"/>
+        <p14:creationId xmlns:p14="http://schemas.microsoft.com/office/powerpoint/2010/main" val="1466061187"/>
       </p:ext>
     </p:extLst>
   </p:cSld>
@@ -755,7 +755,7 @@
           <p:cNvPr id="2" name="标题 1">
             <a:extLst>
               <a:ext uri="{FF2B5EF4-FFF2-40B4-BE49-F238E27FC236}">
-                <a16:creationId xmlns:a16="http://schemas.microsoft.com/office/drawing/2014/main" id="{15DC04C2-359E-E693-E243-A46DE9FADE7C}"/>
+                <a16:creationId xmlns:a16="http://schemas.microsoft.com/office/drawing/2014/main" id="{4B307A90-F47B-9525-475D-FBFBC66082C7}"/>
               </a:ext>
             </a:extLst>
           </p:cNvPr>
@@ -783,7 +783,7 @@
           <p:cNvPr id="3" name="内容占位符 2">
             <a:extLst>
               <a:ext uri="{FF2B5EF4-FFF2-40B4-BE49-F238E27FC236}">
-                <a16:creationId xmlns:a16="http://schemas.microsoft.com/office/drawing/2014/main" id="{D374F3EB-15B9-C9BA-BBC8-9CE88A863961}"/>
+                <a16:creationId xmlns:a16="http://schemas.microsoft.com/office/drawing/2014/main" id="{2AA58DDC-CBC0-7199-95A0-B36FF5593A9C}"/>
               </a:ext>
             </a:extLst>
           </p:cNvPr>
@@ -840,7 +840,7 @@
           <p:cNvPr id="4" name="日期占位符 3">
             <a:extLst>
               <a:ext uri="{FF2B5EF4-FFF2-40B4-BE49-F238E27FC236}">
-                <a16:creationId xmlns:a16="http://schemas.microsoft.com/office/drawing/2014/main" id="{7A6A8C40-F50A-B7C9-8443-3A9724B1E504}"/>
+                <a16:creationId xmlns:a16="http://schemas.microsoft.com/office/drawing/2014/main" id="{917B0408-73EE-C1CD-0260-AAD6070A488A}"/>
               </a:ext>
             </a:extLst>
           </p:cNvPr>
@@ -856,7 +856,7 @@
           <a:bodyPr/>
           <a:lstStyle/>
           <a:p>
-            <a:fld id="{32914532-9450-4AE5-A7EB-5BCE9530AD7D}" type="datetimeFigureOut">
+            <a:fld id="{72DBFE9D-718E-4847-8706-91CF311FD935}" type="datetimeFigureOut">
               <a:rPr lang="zh-CN" altLang="en-US" smtClean="0"/>
               <a:t>2024/3/10</a:t>
             </a:fld>
@@ -869,7 +869,7 @@
           <p:cNvPr id="5" name="页脚占位符 4">
             <a:extLst>
               <a:ext uri="{FF2B5EF4-FFF2-40B4-BE49-F238E27FC236}">
-                <a16:creationId xmlns:a16="http://schemas.microsoft.com/office/drawing/2014/main" id="{CC775ACB-B3D6-0905-C58D-1E6C2A025B38}"/>
+                <a16:creationId xmlns:a16="http://schemas.microsoft.com/office/drawing/2014/main" id="{FEB0C20C-04D5-F8FC-02E3-5DEC5AC6A386}"/>
               </a:ext>
             </a:extLst>
           </p:cNvPr>
@@ -894,7 +894,7 @@
           <p:cNvPr id="6" name="灯片编号占位符 5">
             <a:extLst>
               <a:ext uri="{FF2B5EF4-FFF2-40B4-BE49-F238E27FC236}">
-                <a16:creationId xmlns:a16="http://schemas.microsoft.com/office/drawing/2014/main" id="{675B3812-0BB2-F64E-F16E-0F1DC45D1307}"/>
+                <a16:creationId xmlns:a16="http://schemas.microsoft.com/office/drawing/2014/main" id="{C94A143D-0071-585D-3CC9-7243C8F71BFC}"/>
               </a:ext>
             </a:extLst>
           </p:cNvPr>
@@ -910,7 +910,7 @@
           <a:bodyPr/>
           <a:lstStyle/>
           <a:p>
-            <a:fld id="{8959A16C-4F31-43AE-8D6A-13767D798393}" type="slidenum">
+            <a:fld id="{B57A5061-FC1E-476C-91A0-D2CDC37F79C4}" type="slidenum">
               <a:rPr lang="zh-CN" altLang="en-US" smtClean="0"/>
               <a:t>‹#›</a:t>
             </a:fld>
@@ -921,7 +921,7 @@
     </p:spTree>
     <p:extLst>
       <p:ext uri="{BB962C8B-B14F-4D97-AF65-F5344CB8AC3E}">
-        <p14:creationId xmlns:p14="http://schemas.microsoft.com/office/powerpoint/2010/main" val="3123820457"/>
+        <p14:creationId xmlns:p14="http://schemas.microsoft.com/office/powerpoint/2010/main" val="3260941019"/>
       </p:ext>
     </p:extLst>
   </p:cSld>
@@ -953,7 +953,7 @@
           <p:cNvPr id="2" name="标题 1">
             <a:extLst>
               <a:ext uri="{FF2B5EF4-FFF2-40B4-BE49-F238E27FC236}">
-                <a16:creationId xmlns:a16="http://schemas.microsoft.com/office/drawing/2014/main" id="{7678F095-9148-45FF-43D1-ABDF95FABB50}"/>
+                <a16:creationId xmlns:a16="http://schemas.microsoft.com/office/drawing/2014/main" id="{60A4C75C-85E9-D50E-8A36-8DD8E7846442}"/>
               </a:ext>
             </a:extLst>
           </p:cNvPr>
@@ -990,7 +990,7 @@
           <p:cNvPr id="3" name="文本占位符 2">
             <a:extLst>
               <a:ext uri="{FF2B5EF4-FFF2-40B4-BE49-F238E27FC236}">
-                <a16:creationId xmlns:a16="http://schemas.microsoft.com/office/drawing/2014/main" id="{90D11971-27EA-51BB-C0F4-3F514768F98B}"/>
+                <a16:creationId xmlns:a16="http://schemas.microsoft.com/office/drawing/2014/main" id="{4D0E6DD2-EE41-D2AD-F48D-C1F61C38BCF4}"/>
               </a:ext>
             </a:extLst>
           </p:cNvPr>
@@ -1115,7 +1115,7 @@
           <p:cNvPr id="4" name="日期占位符 3">
             <a:extLst>
               <a:ext uri="{FF2B5EF4-FFF2-40B4-BE49-F238E27FC236}">
-                <a16:creationId xmlns:a16="http://schemas.microsoft.com/office/drawing/2014/main" id="{4EBD8B9E-79C5-0612-0CAC-01FE3A729199}"/>
+                <a16:creationId xmlns:a16="http://schemas.microsoft.com/office/drawing/2014/main" id="{E7BBD7A8-DC9B-AAEF-A5B5-C26BEFDABA42}"/>
               </a:ext>
             </a:extLst>
           </p:cNvPr>
@@ -1131,7 +1131,7 @@
           <a:bodyPr/>
           <a:lstStyle/>
           <a:p>
-            <a:fld id="{32914532-9450-4AE5-A7EB-5BCE9530AD7D}" type="datetimeFigureOut">
+            <a:fld id="{72DBFE9D-718E-4847-8706-91CF311FD935}" type="datetimeFigureOut">
               <a:rPr lang="zh-CN" altLang="en-US" smtClean="0"/>
               <a:t>2024/3/10</a:t>
             </a:fld>
@@ -1144,7 +1144,7 @@
           <p:cNvPr id="5" name="页脚占位符 4">
             <a:extLst>
               <a:ext uri="{FF2B5EF4-FFF2-40B4-BE49-F238E27FC236}">
-                <a16:creationId xmlns:a16="http://schemas.microsoft.com/office/drawing/2014/main" id="{8CE9F65B-A8A5-60E8-360C-D6BC247B8718}"/>
+                <a16:creationId xmlns:a16="http://schemas.microsoft.com/office/drawing/2014/main" id="{146E81D9-EA7E-C6CD-0D62-1BE285CAAA23}"/>
               </a:ext>
             </a:extLst>
           </p:cNvPr>
@@ -1169,7 +1169,7 @@
           <p:cNvPr id="6" name="灯片编号占位符 5">
             <a:extLst>
               <a:ext uri="{FF2B5EF4-FFF2-40B4-BE49-F238E27FC236}">
-                <a16:creationId xmlns:a16="http://schemas.microsoft.com/office/drawing/2014/main" id="{3ADF3FDA-7DBD-8677-7933-86ABF34B7886}"/>
+                <a16:creationId xmlns:a16="http://schemas.microsoft.com/office/drawing/2014/main" id="{9F45B3B9-A7F9-6C60-ADC0-9B1A8E43B2FB}"/>
               </a:ext>
             </a:extLst>
           </p:cNvPr>
@@ -1185,7 +1185,7 @@
           <a:bodyPr/>
           <a:lstStyle/>
           <a:p>
-            <a:fld id="{8959A16C-4F31-43AE-8D6A-13767D798393}" type="slidenum">
+            <a:fld id="{B57A5061-FC1E-476C-91A0-D2CDC37F79C4}" type="slidenum">
               <a:rPr lang="zh-CN" altLang="en-US" smtClean="0"/>
               <a:t>‹#›</a:t>
             </a:fld>
@@ -1196,7 +1196,7 @@
     </p:spTree>
     <p:extLst>
       <p:ext uri="{BB962C8B-B14F-4D97-AF65-F5344CB8AC3E}">
-        <p14:creationId xmlns:p14="http://schemas.microsoft.com/office/powerpoint/2010/main" val="3849301811"/>
+        <p14:creationId xmlns:p14="http://schemas.microsoft.com/office/powerpoint/2010/main" val="452326241"/>
       </p:ext>
     </p:extLst>
   </p:cSld>
@@ -1228,7 +1228,7 @@
           <p:cNvPr id="2" name="标题 1">
             <a:extLst>
               <a:ext uri="{FF2B5EF4-FFF2-40B4-BE49-F238E27FC236}">
-                <a16:creationId xmlns:a16="http://schemas.microsoft.com/office/drawing/2014/main" id="{2D811A7B-CFC6-9CB6-8CFD-E364B1E3CF36}"/>
+                <a16:creationId xmlns:a16="http://schemas.microsoft.com/office/drawing/2014/main" id="{78909B30-6720-DB7E-43BF-BA49E2794DF6}"/>
               </a:ext>
             </a:extLst>
           </p:cNvPr>
@@ -1256,7 +1256,7 @@
           <p:cNvPr id="3" name="内容占位符 2">
             <a:extLst>
               <a:ext uri="{FF2B5EF4-FFF2-40B4-BE49-F238E27FC236}">
-                <a16:creationId xmlns:a16="http://schemas.microsoft.com/office/drawing/2014/main" id="{09D26E92-1934-C069-E578-8CCF7BB9525D}"/>
+                <a16:creationId xmlns:a16="http://schemas.microsoft.com/office/drawing/2014/main" id="{5C3A4415-36A3-005C-C595-D6CBA5F61F96}"/>
               </a:ext>
             </a:extLst>
           </p:cNvPr>
@@ -1318,7 +1318,7 @@
           <p:cNvPr id="4" name="内容占位符 3">
             <a:extLst>
               <a:ext uri="{FF2B5EF4-FFF2-40B4-BE49-F238E27FC236}">
-                <a16:creationId xmlns:a16="http://schemas.microsoft.com/office/drawing/2014/main" id="{65BA2938-AB2B-F274-246E-B17C22A3CA32}"/>
+                <a16:creationId xmlns:a16="http://schemas.microsoft.com/office/drawing/2014/main" id="{AB6C59E6-CE9D-D335-6C26-115134413432}"/>
               </a:ext>
             </a:extLst>
           </p:cNvPr>
@@ -1380,7 +1380,7 @@
           <p:cNvPr id="5" name="日期占位符 4">
             <a:extLst>
               <a:ext uri="{FF2B5EF4-FFF2-40B4-BE49-F238E27FC236}">
-                <a16:creationId xmlns:a16="http://schemas.microsoft.com/office/drawing/2014/main" id="{74CBA502-579A-2450-82CF-588A5A07CE1A}"/>
+                <a16:creationId xmlns:a16="http://schemas.microsoft.com/office/drawing/2014/main" id="{CEB9BAA1-B5A9-C52B-24FC-339992DD0DD9}"/>
               </a:ext>
             </a:extLst>
           </p:cNvPr>
@@ -1396,7 +1396,7 @@
           <a:bodyPr/>
           <a:lstStyle/>
           <a:p>
-            <a:fld id="{32914532-9450-4AE5-A7EB-5BCE9530AD7D}" type="datetimeFigureOut">
+            <a:fld id="{72DBFE9D-718E-4847-8706-91CF311FD935}" type="datetimeFigureOut">
               <a:rPr lang="zh-CN" altLang="en-US" smtClean="0"/>
               <a:t>2024/3/10</a:t>
             </a:fld>
@@ -1409,7 +1409,7 @@
           <p:cNvPr id="6" name="页脚占位符 5">
             <a:extLst>
               <a:ext uri="{FF2B5EF4-FFF2-40B4-BE49-F238E27FC236}">
-                <a16:creationId xmlns:a16="http://schemas.microsoft.com/office/drawing/2014/main" id="{17D48A2C-120F-134B-9165-A053D73AA9D2}"/>
+                <a16:creationId xmlns:a16="http://schemas.microsoft.com/office/drawing/2014/main" id="{5C7EFD60-BD95-6D65-33C1-970888EA9896}"/>
               </a:ext>
             </a:extLst>
           </p:cNvPr>
@@ -1434,7 +1434,7 @@
           <p:cNvPr id="7" name="灯片编号占位符 6">
             <a:extLst>
               <a:ext uri="{FF2B5EF4-FFF2-40B4-BE49-F238E27FC236}">
-                <a16:creationId xmlns:a16="http://schemas.microsoft.com/office/drawing/2014/main" id="{2B905A6F-BA1A-4F3F-FEAC-85B2F089D9A6}"/>
+                <a16:creationId xmlns:a16="http://schemas.microsoft.com/office/drawing/2014/main" id="{C40CB947-637C-606D-482B-C5895D3E73DE}"/>
               </a:ext>
             </a:extLst>
           </p:cNvPr>
@@ -1450,7 +1450,7 @@
           <a:bodyPr/>
           <a:lstStyle/>
           <a:p>
-            <a:fld id="{8959A16C-4F31-43AE-8D6A-13767D798393}" type="slidenum">
+            <a:fld id="{B57A5061-FC1E-476C-91A0-D2CDC37F79C4}" type="slidenum">
               <a:rPr lang="zh-CN" altLang="en-US" smtClean="0"/>
               <a:t>‹#›</a:t>
             </a:fld>
@@ -1461,7 +1461,7 @@
     </p:spTree>
     <p:extLst>
       <p:ext uri="{BB962C8B-B14F-4D97-AF65-F5344CB8AC3E}">
-        <p14:creationId xmlns:p14="http://schemas.microsoft.com/office/powerpoint/2010/main" val="1561473485"/>
+        <p14:creationId xmlns:p14="http://schemas.microsoft.com/office/powerpoint/2010/main" val="1216463284"/>
       </p:ext>
     </p:extLst>
   </p:cSld>
@@ -1493,7 +1493,7 @@
           <p:cNvPr id="2" name="标题 1">
             <a:extLst>
               <a:ext uri="{FF2B5EF4-FFF2-40B4-BE49-F238E27FC236}">
-                <a16:creationId xmlns:a16="http://schemas.microsoft.com/office/drawing/2014/main" id="{6A17C116-F015-399A-A5FE-740DBA59A46F}"/>
+                <a16:creationId xmlns:a16="http://schemas.microsoft.com/office/drawing/2014/main" id="{A1333110-09EE-3830-4A36-37100842C63D}"/>
               </a:ext>
             </a:extLst>
           </p:cNvPr>
@@ -1526,7 +1526,7 @@
           <p:cNvPr id="3" name="文本占位符 2">
             <a:extLst>
               <a:ext uri="{FF2B5EF4-FFF2-40B4-BE49-F238E27FC236}">
-                <a16:creationId xmlns:a16="http://schemas.microsoft.com/office/drawing/2014/main" id="{1F44FA86-5FF3-AF09-FCF5-7C4F9DA7DA76}"/>
+                <a16:creationId xmlns:a16="http://schemas.microsoft.com/office/drawing/2014/main" id="{724705C6-FB38-3806-A52C-6EFAD85048B7}"/>
               </a:ext>
             </a:extLst>
           </p:cNvPr>
@@ -1597,7 +1597,7 @@
           <p:cNvPr id="4" name="内容占位符 3">
             <a:extLst>
               <a:ext uri="{FF2B5EF4-FFF2-40B4-BE49-F238E27FC236}">
-                <a16:creationId xmlns:a16="http://schemas.microsoft.com/office/drawing/2014/main" id="{927FD8B3-E69F-AEED-046D-2F39C0329F52}"/>
+                <a16:creationId xmlns:a16="http://schemas.microsoft.com/office/drawing/2014/main" id="{BAF8BBDA-AA30-F5A0-E2F3-6FE3963A1154}"/>
               </a:ext>
             </a:extLst>
           </p:cNvPr>
@@ -1659,7 +1659,7 @@
           <p:cNvPr id="5" name="文本占位符 4">
             <a:extLst>
               <a:ext uri="{FF2B5EF4-FFF2-40B4-BE49-F238E27FC236}">
-                <a16:creationId xmlns:a16="http://schemas.microsoft.com/office/drawing/2014/main" id="{545A486B-0521-F616-373B-2B43A2B505E4}"/>
+                <a16:creationId xmlns:a16="http://schemas.microsoft.com/office/drawing/2014/main" id="{B2ED95C0-E4C4-6685-150C-2D450D422D44}"/>
               </a:ext>
             </a:extLst>
           </p:cNvPr>
@@ -1730,7 +1730,7 @@
           <p:cNvPr id="6" name="内容占位符 5">
             <a:extLst>
               <a:ext uri="{FF2B5EF4-FFF2-40B4-BE49-F238E27FC236}">
-                <a16:creationId xmlns:a16="http://schemas.microsoft.com/office/drawing/2014/main" id="{27A183B3-4B59-E19F-22A9-B9081F801E20}"/>
+                <a16:creationId xmlns:a16="http://schemas.microsoft.com/office/drawing/2014/main" id="{068475A9-2F69-B518-4377-CACC6A98BA6C}"/>
               </a:ext>
             </a:extLst>
           </p:cNvPr>
@@ -1792,7 +1792,7 @@
           <p:cNvPr id="7" name="日期占位符 6">
             <a:extLst>
               <a:ext uri="{FF2B5EF4-FFF2-40B4-BE49-F238E27FC236}">
-                <a16:creationId xmlns:a16="http://schemas.microsoft.com/office/drawing/2014/main" id="{245B5862-704D-29CA-3749-CECCD7FCC3D4}"/>
+                <a16:creationId xmlns:a16="http://schemas.microsoft.com/office/drawing/2014/main" id="{279B7596-8B40-44D4-1B2B-240FBD216086}"/>
               </a:ext>
             </a:extLst>
           </p:cNvPr>
@@ -1808,7 +1808,7 @@
           <a:bodyPr/>
           <a:lstStyle/>
           <a:p>
-            <a:fld id="{32914532-9450-4AE5-A7EB-5BCE9530AD7D}" type="datetimeFigureOut">
+            <a:fld id="{72DBFE9D-718E-4847-8706-91CF311FD935}" type="datetimeFigureOut">
               <a:rPr lang="zh-CN" altLang="en-US" smtClean="0"/>
               <a:t>2024/3/10</a:t>
             </a:fld>
@@ -1821,7 +1821,7 @@
           <p:cNvPr id="8" name="页脚占位符 7">
             <a:extLst>
               <a:ext uri="{FF2B5EF4-FFF2-40B4-BE49-F238E27FC236}">
-                <a16:creationId xmlns:a16="http://schemas.microsoft.com/office/drawing/2014/main" id="{29E7C8FC-6218-BE48-5396-54546E26AC6D}"/>
+                <a16:creationId xmlns:a16="http://schemas.microsoft.com/office/drawing/2014/main" id="{97686884-F52A-B7D2-A086-61D955ADAB40}"/>
               </a:ext>
             </a:extLst>
           </p:cNvPr>
@@ -1846,7 +1846,7 @@
           <p:cNvPr id="9" name="灯片编号占位符 8">
             <a:extLst>
               <a:ext uri="{FF2B5EF4-FFF2-40B4-BE49-F238E27FC236}">
-                <a16:creationId xmlns:a16="http://schemas.microsoft.com/office/drawing/2014/main" id="{B365EB90-0C9E-632F-5D15-364E63E6ABCC}"/>
+                <a16:creationId xmlns:a16="http://schemas.microsoft.com/office/drawing/2014/main" id="{7A460994-F8D0-B781-5811-431FDB8CE025}"/>
               </a:ext>
             </a:extLst>
           </p:cNvPr>
@@ -1862,7 +1862,7 @@
           <a:bodyPr/>
           <a:lstStyle/>
           <a:p>
-            <a:fld id="{8959A16C-4F31-43AE-8D6A-13767D798393}" type="slidenum">
+            <a:fld id="{B57A5061-FC1E-476C-91A0-D2CDC37F79C4}" type="slidenum">
               <a:rPr lang="zh-CN" altLang="en-US" smtClean="0"/>
               <a:t>‹#›</a:t>
             </a:fld>
@@ -1873,7 +1873,7 @@
     </p:spTree>
     <p:extLst>
       <p:ext uri="{BB962C8B-B14F-4D97-AF65-F5344CB8AC3E}">
-        <p14:creationId xmlns:p14="http://schemas.microsoft.com/office/powerpoint/2010/main" val="439260511"/>
+        <p14:creationId xmlns:p14="http://schemas.microsoft.com/office/powerpoint/2010/main" val="1141367641"/>
       </p:ext>
     </p:extLst>
   </p:cSld>
@@ -1905,7 +1905,7 @@
           <p:cNvPr id="2" name="标题 1">
             <a:extLst>
               <a:ext uri="{FF2B5EF4-FFF2-40B4-BE49-F238E27FC236}">
-                <a16:creationId xmlns:a16="http://schemas.microsoft.com/office/drawing/2014/main" id="{2E54E81C-A435-1EEC-8AF1-C69C4D138FF2}"/>
+                <a16:creationId xmlns:a16="http://schemas.microsoft.com/office/drawing/2014/main" id="{2A2BAC80-0827-C52D-A332-924338AA01E5}"/>
               </a:ext>
             </a:extLst>
           </p:cNvPr>
@@ -1933,7 +1933,7 @@
           <p:cNvPr id="3" name="日期占位符 2">
             <a:extLst>
               <a:ext uri="{FF2B5EF4-FFF2-40B4-BE49-F238E27FC236}">
-                <a16:creationId xmlns:a16="http://schemas.microsoft.com/office/drawing/2014/main" id="{8B312DA8-78C0-0EF9-B084-023046BC2931}"/>
+                <a16:creationId xmlns:a16="http://schemas.microsoft.com/office/drawing/2014/main" id="{F36F51BE-5BF0-CB56-3DE5-00B350205AD3}"/>
               </a:ext>
             </a:extLst>
           </p:cNvPr>
@@ -1949,7 +1949,7 @@
           <a:bodyPr/>
           <a:lstStyle/>
           <a:p>
-            <a:fld id="{32914532-9450-4AE5-A7EB-5BCE9530AD7D}" type="datetimeFigureOut">
+            <a:fld id="{72DBFE9D-718E-4847-8706-91CF311FD935}" type="datetimeFigureOut">
               <a:rPr lang="zh-CN" altLang="en-US" smtClean="0"/>
               <a:t>2024/3/10</a:t>
             </a:fld>
@@ -1962,7 +1962,7 @@
           <p:cNvPr id="4" name="页脚占位符 3">
             <a:extLst>
               <a:ext uri="{FF2B5EF4-FFF2-40B4-BE49-F238E27FC236}">
-                <a16:creationId xmlns:a16="http://schemas.microsoft.com/office/drawing/2014/main" id="{7D44B483-3733-1654-651E-F04CD3F3E628}"/>
+                <a16:creationId xmlns:a16="http://schemas.microsoft.com/office/drawing/2014/main" id="{0A1CB10F-187D-038A-2F96-742F694B2168}"/>
               </a:ext>
             </a:extLst>
           </p:cNvPr>
@@ -1987,7 +1987,7 @@
           <p:cNvPr id="5" name="灯片编号占位符 4">
             <a:extLst>
               <a:ext uri="{FF2B5EF4-FFF2-40B4-BE49-F238E27FC236}">
-                <a16:creationId xmlns:a16="http://schemas.microsoft.com/office/drawing/2014/main" id="{30A36FE9-C63A-EF44-7440-26CBFE9CC03F}"/>
+                <a16:creationId xmlns:a16="http://schemas.microsoft.com/office/drawing/2014/main" id="{B7741948-8DC8-A899-E096-B041EBE6E140}"/>
               </a:ext>
             </a:extLst>
           </p:cNvPr>
@@ -2003,7 +2003,7 @@
           <a:bodyPr/>
           <a:lstStyle/>
           <a:p>
-            <a:fld id="{8959A16C-4F31-43AE-8D6A-13767D798393}" type="slidenum">
+            <a:fld id="{B57A5061-FC1E-476C-91A0-D2CDC37F79C4}" type="slidenum">
               <a:rPr lang="zh-CN" altLang="en-US" smtClean="0"/>
               <a:t>‹#›</a:t>
             </a:fld>
@@ -2014,7 +2014,7 @@
     </p:spTree>
     <p:extLst>
       <p:ext uri="{BB962C8B-B14F-4D97-AF65-F5344CB8AC3E}">
-        <p14:creationId xmlns:p14="http://schemas.microsoft.com/office/powerpoint/2010/main" val="2947545744"/>
+        <p14:creationId xmlns:p14="http://schemas.microsoft.com/office/powerpoint/2010/main" val="3425536598"/>
       </p:ext>
     </p:extLst>
   </p:cSld>
@@ -2046,7 +2046,7 @@
           <p:cNvPr id="2" name="日期占位符 1">
             <a:extLst>
               <a:ext uri="{FF2B5EF4-FFF2-40B4-BE49-F238E27FC236}">
-                <a16:creationId xmlns:a16="http://schemas.microsoft.com/office/drawing/2014/main" id="{BAA25D96-5521-3A1F-C1BE-475131DE5D61}"/>
+                <a16:creationId xmlns:a16="http://schemas.microsoft.com/office/drawing/2014/main" id="{343CF55C-A065-AF13-4C4B-235AA36EBA98}"/>
               </a:ext>
             </a:extLst>
           </p:cNvPr>
@@ -2062,7 +2062,7 @@
           <a:bodyPr/>
           <a:lstStyle/>
           <a:p>
-            <a:fld id="{32914532-9450-4AE5-A7EB-5BCE9530AD7D}" type="datetimeFigureOut">
+            <a:fld id="{72DBFE9D-718E-4847-8706-91CF311FD935}" type="datetimeFigureOut">
               <a:rPr lang="zh-CN" altLang="en-US" smtClean="0"/>
               <a:t>2024/3/10</a:t>
             </a:fld>
@@ -2075,7 +2075,7 @@
           <p:cNvPr id="3" name="页脚占位符 2">
             <a:extLst>
               <a:ext uri="{FF2B5EF4-FFF2-40B4-BE49-F238E27FC236}">
-                <a16:creationId xmlns:a16="http://schemas.microsoft.com/office/drawing/2014/main" id="{ADC141DF-ABF4-AEA3-B718-3FFDA52695A2}"/>
+                <a16:creationId xmlns:a16="http://schemas.microsoft.com/office/drawing/2014/main" id="{A89BFDFC-C4FA-B21B-3306-A333C1A4C0B4}"/>
               </a:ext>
             </a:extLst>
           </p:cNvPr>
@@ -2100,7 +2100,7 @@
           <p:cNvPr id="4" name="灯片编号占位符 3">
             <a:extLst>
               <a:ext uri="{FF2B5EF4-FFF2-40B4-BE49-F238E27FC236}">
-                <a16:creationId xmlns:a16="http://schemas.microsoft.com/office/drawing/2014/main" id="{0C87DFCF-5BB3-884D-2B5A-E53070123BBC}"/>
+                <a16:creationId xmlns:a16="http://schemas.microsoft.com/office/drawing/2014/main" id="{79E6F4AA-FCC8-B99C-2493-03814D183120}"/>
               </a:ext>
             </a:extLst>
           </p:cNvPr>
@@ -2116,7 +2116,7 @@
           <a:bodyPr/>
           <a:lstStyle/>
           <a:p>
-            <a:fld id="{8959A16C-4F31-43AE-8D6A-13767D798393}" type="slidenum">
+            <a:fld id="{B57A5061-FC1E-476C-91A0-D2CDC37F79C4}" type="slidenum">
               <a:rPr lang="zh-CN" altLang="en-US" smtClean="0"/>
               <a:t>‹#›</a:t>
             </a:fld>
@@ -2127,7 +2127,7 @@
     </p:spTree>
     <p:extLst>
       <p:ext uri="{BB962C8B-B14F-4D97-AF65-F5344CB8AC3E}">
-        <p14:creationId xmlns:p14="http://schemas.microsoft.com/office/powerpoint/2010/main" val="3049766904"/>
+        <p14:creationId xmlns:p14="http://schemas.microsoft.com/office/powerpoint/2010/main" val="4196628823"/>
       </p:ext>
     </p:extLst>
   </p:cSld>
@@ -2159,7 +2159,7 @@
           <p:cNvPr id="2" name="标题 1">
             <a:extLst>
               <a:ext uri="{FF2B5EF4-FFF2-40B4-BE49-F238E27FC236}">
-                <a16:creationId xmlns:a16="http://schemas.microsoft.com/office/drawing/2014/main" id="{BE75DFA8-D15A-7559-7325-87104CAEFAF2}"/>
+                <a16:creationId xmlns:a16="http://schemas.microsoft.com/office/drawing/2014/main" id="{9EE56065-C42E-3C13-A106-D4410970823C}"/>
               </a:ext>
             </a:extLst>
           </p:cNvPr>
@@ -2196,7 +2196,7 @@
           <p:cNvPr id="3" name="内容占位符 2">
             <a:extLst>
               <a:ext uri="{FF2B5EF4-FFF2-40B4-BE49-F238E27FC236}">
-                <a16:creationId xmlns:a16="http://schemas.microsoft.com/office/drawing/2014/main" id="{D5EEEB85-0D67-8592-B46A-B8DAB9868EC3}"/>
+                <a16:creationId xmlns:a16="http://schemas.microsoft.com/office/drawing/2014/main" id="{C06A7968-D0A2-C034-EF88-AC022B7880F7}"/>
               </a:ext>
             </a:extLst>
           </p:cNvPr>
@@ -2286,7 +2286,7 @@
           <p:cNvPr id="4" name="文本占位符 3">
             <a:extLst>
               <a:ext uri="{FF2B5EF4-FFF2-40B4-BE49-F238E27FC236}">
-                <a16:creationId xmlns:a16="http://schemas.microsoft.com/office/drawing/2014/main" id="{917CCACA-FFE7-6449-8CB2-EABF5CA6DAE7}"/>
+                <a16:creationId xmlns:a16="http://schemas.microsoft.com/office/drawing/2014/main" id="{F8B01B3C-D29C-5AD3-842E-D80F2553FC5B}"/>
               </a:ext>
             </a:extLst>
           </p:cNvPr>
@@ -2357,7 +2357,7 @@
           <p:cNvPr id="5" name="日期占位符 4">
             <a:extLst>
               <a:ext uri="{FF2B5EF4-FFF2-40B4-BE49-F238E27FC236}">
-                <a16:creationId xmlns:a16="http://schemas.microsoft.com/office/drawing/2014/main" id="{A19CF5CF-78D9-810B-B27A-5F6184D1ABDD}"/>
+                <a16:creationId xmlns:a16="http://schemas.microsoft.com/office/drawing/2014/main" id="{70B1DB18-C89F-BB4B-29BD-3DCE52A381BE}"/>
               </a:ext>
             </a:extLst>
           </p:cNvPr>
@@ -2373,7 +2373,7 @@
           <a:bodyPr/>
           <a:lstStyle/>
           <a:p>
-            <a:fld id="{32914532-9450-4AE5-A7EB-5BCE9530AD7D}" type="datetimeFigureOut">
+            <a:fld id="{72DBFE9D-718E-4847-8706-91CF311FD935}" type="datetimeFigureOut">
               <a:rPr lang="zh-CN" altLang="en-US" smtClean="0"/>
               <a:t>2024/3/10</a:t>
             </a:fld>
@@ -2386,7 +2386,7 @@
           <p:cNvPr id="6" name="页脚占位符 5">
             <a:extLst>
               <a:ext uri="{FF2B5EF4-FFF2-40B4-BE49-F238E27FC236}">
-                <a16:creationId xmlns:a16="http://schemas.microsoft.com/office/drawing/2014/main" id="{C7F7A007-3985-E5E9-38AB-3FC75524037B}"/>
+                <a16:creationId xmlns:a16="http://schemas.microsoft.com/office/drawing/2014/main" id="{77E25123-A4F8-2957-C63A-2F673D20AC80}"/>
               </a:ext>
             </a:extLst>
           </p:cNvPr>
@@ -2411,7 +2411,7 @@
           <p:cNvPr id="7" name="灯片编号占位符 6">
             <a:extLst>
               <a:ext uri="{FF2B5EF4-FFF2-40B4-BE49-F238E27FC236}">
-                <a16:creationId xmlns:a16="http://schemas.microsoft.com/office/drawing/2014/main" id="{3DC6B409-A057-D028-B38B-F9C331619883}"/>
+                <a16:creationId xmlns:a16="http://schemas.microsoft.com/office/drawing/2014/main" id="{77E910A4-4196-2685-DA78-7254AA60B3E4}"/>
               </a:ext>
             </a:extLst>
           </p:cNvPr>
@@ -2427,7 +2427,7 @@
           <a:bodyPr/>
           <a:lstStyle/>
           <a:p>
-            <a:fld id="{8959A16C-4F31-43AE-8D6A-13767D798393}" type="slidenum">
+            <a:fld id="{B57A5061-FC1E-476C-91A0-D2CDC37F79C4}" type="slidenum">
               <a:rPr lang="zh-CN" altLang="en-US" smtClean="0"/>
               <a:t>‹#›</a:t>
             </a:fld>
@@ -2438,7 +2438,7 @@
     </p:spTree>
     <p:extLst>
       <p:ext uri="{BB962C8B-B14F-4D97-AF65-F5344CB8AC3E}">
-        <p14:creationId xmlns:p14="http://schemas.microsoft.com/office/powerpoint/2010/main" val="644554004"/>
+        <p14:creationId xmlns:p14="http://schemas.microsoft.com/office/powerpoint/2010/main" val="2041877656"/>
       </p:ext>
     </p:extLst>
   </p:cSld>
@@ -2470,7 +2470,7 @@
           <p:cNvPr id="2" name="标题 1">
             <a:extLst>
               <a:ext uri="{FF2B5EF4-FFF2-40B4-BE49-F238E27FC236}">
-                <a16:creationId xmlns:a16="http://schemas.microsoft.com/office/drawing/2014/main" id="{AF67A497-4E42-496E-A0FF-3415188DF71E}"/>
+                <a16:creationId xmlns:a16="http://schemas.microsoft.com/office/drawing/2014/main" id="{2522FA4D-4A9D-3CFF-2AA1-47BB70E75E10}"/>
               </a:ext>
             </a:extLst>
           </p:cNvPr>
@@ -2507,7 +2507,7 @@
           <p:cNvPr id="3" name="图片占位符 2">
             <a:extLst>
               <a:ext uri="{FF2B5EF4-FFF2-40B4-BE49-F238E27FC236}">
-                <a16:creationId xmlns:a16="http://schemas.microsoft.com/office/drawing/2014/main" id="{3C0F0AD0-A8EA-C408-6B9D-A8CB655A51DE}"/>
+                <a16:creationId xmlns:a16="http://schemas.microsoft.com/office/drawing/2014/main" id="{493CC3F2-8879-742D-B24D-7C02486E3D9A}"/>
               </a:ext>
             </a:extLst>
           </p:cNvPr>
@@ -2574,7 +2574,7 @@
           <p:cNvPr id="4" name="文本占位符 3">
             <a:extLst>
               <a:ext uri="{FF2B5EF4-FFF2-40B4-BE49-F238E27FC236}">
-                <a16:creationId xmlns:a16="http://schemas.microsoft.com/office/drawing/2014/main" id="{853B1147-FEF4-91D1-C468-1D17E6530A64}"/>
+                <a16:creationId xmlns:a16="http://schemas.microsoft.com/office/drawing/2014/main" id="{1BC048D5-C9DF-684A-F0B5-B3F35DB07CF4}"/>
               </a:ext>
             </a:extLst>
           </p:cNvPr>
@@ -2645,7 +2645,7 @@
           <p:cNvPr id="5" name="日期占位符 4">
             <a:extLst>
               <a:ext uri="{FF2B5EF4-FFF2-40B4-BE49-F238E27FC236}">
-                <a16:creationId xmlns:a16="http://schemas.microsoft.com/office/drawing/2014/main" id="{4CC470C3-5563-A08A-088D-3854EDF490CC}"/>
+                <a16:creationId xmlns:a16="http://schemas.microsoft.com/office/drawing/2014/main" id="{018C11A7-320B-7126-86B1-E0495AD2B0D9}"/>
               </a:ext>
             </a:extLst>
           </p:cNvPr>
@@ -2661,7 +2661,7 @@
           <a:bodyPr/>
           <a:lstStyle/>
           <a:p>
-            <a:fld id="{32914532-9450-4AE5-A7EB-5BCE9530AD7D}" type="datetimeFigureOut">
+            <a:fld id="{72DBFE9D-718E-4847-8706-91CF311FD935}" type="datetimeFigureOut">
               <a:rPr lang="zh-CN" altLang="en-US" smtClean="0"/>
               <a:t>2024/3/10</a:t>
             </a:fld>
@@ -2674,7 +2674,7 @@
           <p:cNvPr id="6" name="页脚占位符 5">
             <a:extLst>
               <a:ext uri="{FF2B5EF4-FFF2-40B4-BE49-F238E27FC236}">
-                <a16:creationId xmlns:a16="http://schemas.microsoft.com/office/drawing/2014/main" id="{CCEDE99F-097A-3F1E-F47F-31D684441F4A}"/>
+                <a16:creationId xmlns:a16="http://schemas.microsoft.com/office/drawing/2014/main" id="{DD59DB68-3305-46D7-B97F-523D352DB87D}"/>
               </a:ext>
             </a:extLst>
           </p:cNvPr>
@@ -2699,7 +2699,7 @@
           <p:cNvPr id="7" name="灯片编号占位符 6">
             <a:extLst>
               <a:ext uri="{FF2B5EF4-FFF2-40B4-BE49-F238E27FC236}">
-                <a16:creationId xmlns:a16="http://schemas.microsoft.com/office/drawing/2014/main" id="{C6181183-AE44-69D3-9518-E8FF24B1DA19}"/>
+                <a16:creationId xmlns:a16="http://schemas.microsoft.com/office/drawing/2014/main" id="{1A94133C-B7B5-3E93-2D8B-7FE6F6A7F224}"/>
               </a:ext>
             </a:extLst>
           </p:cNvPr>
@@ -2715,7 +2715,7 @@
           <a:bodyPr/>
           <a:lstStyle/>
           <a:p>
-            <a:fld id="{8959A16C-4F31-43AE-8D6A-13767D798393}" type="slidenum">
+            <a:fld id="{B57A5061-FC1E-476C-91A0-D2CDC37F79C4}" type="slidenum">
               <a:rPr lang="zh-CN" altLang="en-US" smtClean="0"/>
               <a:t>‹#›</a:t>
             </a:fld>
@@ -2726,7 +2726,7 @@
     </p:spTree>
     <p:extLst>
       <p:ext uri="{BB962C8B-B14F-4D97-AF65-F5344CB8AC3E}">
-        <p14:creationId xmlns:p14="http://schemas.microsoft.com/office/powerpoint/2010/main" val="544218121"/>
+        <p14:creationId xmlns:p14="http://schemas.microsoft.com/office/powerpoint/2010/main" val="1923538521"/>
       </p:ext>
     </p:extLst>
   </p:cSld>
@@ -2763,7 +2763,7 @@
           <p:cNvPr id="2" name="标题占位符 1">
             <a:extLst>
               <a:ext uri="{FF2B5EF4-FFF2-40B4-BE49-F238E27FC236}">
-                <a16:creationId xmlns:a16="http://schemas.microsoft.com/office/drawing/2014/main" id="{BC914AA8-6042-E98C-6C89-69674023AE05}"/>
+                <a16:creationId xmlns:a16="http://schemas.microsoft.com/office/drawing/2014/main" id="{B4F3219F-0CF9-599A-921D-2C01BB088E57}"/>
               </a:ext>
             </a:extLst>
           </p:cNvPr>
@@ -2801,7 +2801,7 @@
           <p:cNvPr id="3" name="文本占位符 2">
             <a:extLst>
               <a:ext uri="{FF2B5EF4-FFF2-40B4-BE49-F238E27FC236}">
-                <a16:creationId xmlns:a16="http://schemas.microsoft.com/office/drawing/2014/main" id="{A863B258-F206-CC2D-887E-5BF7972ACFF9}"/>
+                <a16:creationId xmlns:a16="http://schemas.microsoft.com/office/drawing/2014/main" id="{CB193006-8DE3-CBD8-7327-E8D95D96E97A}"/>
               </a:ext>
             </a:extLst>
           </p:cNvPr>
@@ -2868,7 +2868,7 @@
           <p:cNvPr id="4" name="日期占位符 3">
             <a:extLst>
               <a:ext uri="{FF2B5EF4-FFF2-40B4-BE49-F238E27FC236}">
-                <a16:creationId xmlns:a16="http://schemas.microsoft.com/office/drawing/2014/main" id="{16261691-BE81-BF58-93D9-FCDC21E055E4}"/>
+                <a16:creationId xmlns:a16="http://schemas.microsoft.com/office/drawing/2014/main" id="{62F5ADF8-EC99-B12A-E5A9-23D3D2E7217F}"/>
               </a:ext>
             </a:extLst>
           </p:cNvPr>
@@ -2902,7 +2902,7 @@
             </a:lvl1pPr>
           </a:lstStyle>
           <a:p>
-            <a:fld id="{32914532-9450-4AE5-A7EB-5BCE9530AD7D}" type="datetimeFigureOut">
+            <a:fld id="{72DBFE9D-718E-4847-8706-91CF311FD935}" type="datetimeFigureOut">
               <a:rPr lang="zh-CN" altLang="en-US" smtClean="0"/>
               <a:t>2024/3/10</a:t>
             </a:fld>
@@ -2915,7 +2915,7 @@
           <p:cNvPr id="5" name="页脚占位符 4">
             <a:extLst>
               <a:ext uri="{FF2B5EF4-FFF2-40B4-BE49-F238E27FC236}">
-                <a16:creationId xmlns:a16="http://schemas.microsoft.com/office/drawing/2014/main" id="{96A4AC8D-9A9F-F1D4-E156-51D656ACEEEF}"/>
+                <a16:creationId xmlns:a16="http://schemas.microsoft.com/office/drawing/2014/main" id="{2C7919DE-2A74-08E4-66DF-DD70BACBDE07}"/>
               </a:ext>
             </a:extLst>
           </p:cNvPr>
@@ -2958,7 +2958,7 @@
           <p:cNvPr id="6" name="灯片编号占位符 5">
             <a:extLst>
               <a:ext uri="{FF2B5EF4-FFF2-40B4-BE49-F238E27FC236}">
-                <a16:creationId xmlns:a16="http://schemas.microsoft.com/office/drawing/2014/main" id="{DD393D0C-FAA8-AA85-720D-6F289DBE5F00}"/>
+                <a16:creationId xmlns:a16="http://schemas.microsoft.com/office/drawing/2014/main" id="{3655E51B-3F0E-686F-DA32-CF9B896A0332}"/>
               </a:ext>
             </a:extLst>
           </p:cNvPr>
@@ -2992,7 +2992,7 @@
             </a:lvl1pPr>
           </a:lstStyle>
           <a:p>
-            <a:fld id="{8959A16C-4F31-43AE-8D6A-13767D798393}" type="slidenum">
+            <a:fld id="{B57A5061-FC1E-476C-91A0-D2CDC37F79C4}" type="slidenum">
               <a:rPr lang="zh-CN" altLang="en-US" smtClean="0"/>
               <a:t>‹#›</a:t>
             </a:fld>
@@ -3003,7 +3003,7 @@
     </p:spTree>
     <p:extLst>
       <p:ext uri="{BB962C8B-B14F-4D97-AF65-F5344CB8AC3E}">
-        <p14:creationId xmlns:p14="http://schemas.microsoft.com/office/powerpoint/2010/main" val="882110834"/>
+        <p14:creationId xmlns:p14="http://schemas.microsoft.com/office/powerpoint/2010/main" val="2085084084"/>
       </p:ext>
     </p:extLst>
   </p:cSld>
@@ -3323,7 +3323,7 @@
       </p:grpSpPr>
       <p:pic>
         <p:nvPicPr>
-          <p:cNvPr id="953346" name="Picture 2" descr="930"/>
+          <p:cNvPr id="954370" name="Picture 2" descr="931"/>
           <p:cNvPicPr>
             <a:picLocks noChangeAspect="1" noChangeArrowheads="1"/>
           </p:cNvPicPr>
@@ -3344,8 +3344,8 @@
         </p:blipFill>
         <p:spPr bwMode="auto">
           <a:xfrm>
-            <a:off x="1524001" y="0"/>
-            <a:ext cx="9053513" cy="6789738"/>
+            <a:off x="1524000" y="0"/>
+            <a:ext cx="9144000" cy="6858000"/>
           </a:xfrm>
           <a:prstGeom prst="rect">
             <a:avLst/>
@@ -3377,7 +3377,7 @@
       </p:pic>
       <p:pic>
         <p:nvPicPr>
-          <p:cNvPr id="954371" name="Picture 3" descr="930-2"/>
+          <p:cNvPr id="955395" name="Picture 3" descr="931-2"/>
           <p:cNvPicPr>
             <a:picLocks noChangeAspect="1" noChangeArrowheads="1"/>
           </p:cNvPicPr>
@@ -3398,8 +3398,72 @@
         </p:blipFill>
         <p:spPr bwMode="auto">
           <a:xfrm>
-            <a:off x="1524000" y="1"/>
-            <a:ext cx="9055100" cy="6791325"/>
+            <a:off x="1524000" y="0"/>
+            <a:ext cx="9144000" cy="6858000"/>
+          </a:xfrm>
+          <a:prstGeom prst="rect">
+            <a:avLst/>
+          </a:prstGeom>
+          <a:noFill/>
+          <a:ln>
+            <a:noFill/>
+          </a:ln>
+          <a:effectLst/>
+          <a:extLst>
+            <a:ext uri="{909E8E84-426E-40DD-AFC4-6F175D3DCCD1}">
+              <a14:hiddenFill xmlns:a14="http://schemas.microsoft.com/office/drawing/2010/main">
+                <a:solidFill>
+                  <a:srgbClr val="FFFFFF"/>
+                </a:solidFill>
+              </a14:hiddenFill>
+            </a:ext>
+            <a:ext uri="{91240B29-F687-4F45-9708-019B960494DF}">
+              <a14:hiddenLine xmlns:a14="http://schemas.microsoft.com/office/drawing/2010/main" w="9525">
+                <a:solidFill>
+                  <a:srgbClr val="000000"/>
+                </a:solidFill>
+                <a:miter lim="800000"/>
+                <a:headEnd/>
+                <a:tailEnd/>
+              </a14:hiddenLine>
+            </a:ext>
+            <a:ext uri="{AF507438-7753-43E0-B8FC-AC1667EBCBE1}">
+              <a14:hiddenEffects xmlns:a14="http://schemas.microsoft.com/office/drawing/2010/main">
+                <a:effectLst>
+                  <a:outerShdw dist="35921" dir="2700000" algn="ctr" rotWithShape="0">
+                    <a:srgbClr val="808080"/>
+                  </a:outerShdw>
+                </a:effectLst>
+              </a14:hiddenEffects>
+            </a:ext>
+          </a:extLst>
+        </p:spPr>
+      </p:pic>
+      <p:pic>
+        <p:nvPicPr>
+          <p:cNvPr id="955396" name="Picture 4" descr="931-3"/>
+          <p:cNvPicPr>
+            <a:picLocks noChangeAspect="1" noChangeArrowheads="1"/>
+          </p:cNvPicPr>
+          <p:nvPr/>
+        </p:nvPicPr>
+        <p:blipFill>
+          <a:blip r:embed="rId4">
+            <a:extLst>
+              <a:ext uri="{28A0092B-C50C-407E-A947-70E740481C1C}">
+                <a14:useLocalDpi xmlns:a14="http://schemas.microsoft.com/office/drawing/2010/main" val="0"/>
+              </a:ext>
+            </a:extLst>
+          </a:blip>
+          <a:srcRect/>
+          <a:stretch>
+            <a:fillRect/>
+          </a:stretch>
+        </p:blipFill>
+        <p:spPr bwMode="auto">
+          <a:xfrm>
+            <a:off x="1524000" y="0"/>
+            <a:ext cx="9144000" cy="6858000"/>
           </a:xfrm>
           <a:prstGeom prst="rect">
             <a:avLst/>
@@ -3478,7 +3542,7 @@
                                           </p:stCondLst>
                                         </p:cTn>
                                         <p:tgtEl>
-                                          <p:spTgt spid="954371"/>
+                                          <p:spTgt spid="955395"/>
                                         </p:tgtEl>
                                         <p:attrNameLst>
                                           <p:attrName>style.visibility</p:attrName>
@@ -3492,7 +3556,60 @@
                                       <p:cBhvr>
                                         <p:cTn id="7" dur="500"/>
                                         <p:tgtEl>
-                                          <p:spTgt spid="954371"/>
+                                          <p:spTgt spid="955395"/>
+                                        </p:tgtEl>
+                                      </p:cBhvr>
+                                    </p:animEffect>
+                                  </p:childTnLst>
+                                </p:cTn>
+                              </p:par>
+                            </p:childTnLst>
+                          </p:cTn>
+                        </p:par>
+                      </p:childTnLst>
+                    </p:cTn>
+                  </p:par>
+                  <p:par>
+                    <p:cTn id="8" fill="hold" nodeType="clickPar">
+                      <p:stCondLst>
+                        <p:cond delay="indefinite"/>
+                      </p:stCondLst>
+                      <p:childTnLst>
+                        <p:par>
+                          <p:cTn id="9" fill="hold" nodeType="withGroup">
+                            <p:stCondLst>
+                              <p:cond delay="0"/>
+                            </p:stCondLst>
+                            <p:childTnLst>
+                              <p:par>
+                                <p:cTn id="10" presetID="10" presetClass="entr" presetSubtype="0" fill="hold" nodeType="clickEffect">
+                                  <p:stCondLst>
+                                    <p:cond delay="0"/>
+                                  </p:stCondLst>
+                                  <p:childTnLst>
+                                    <p:set>
+                                      <p:cBhvr>
+                                        <p:cTn id="11" dur="1" fill="hold">
+                                          <p:stCondLst>
+                                            <p:cond delay="0"/>
+                                          </p:stCondLst>
+                                        </p:cTn>
+                                        <p:tgtEl>
+                                          <p:spTgt spid="955396"/>
+                                        </p:tgtEl>
+                                        <p:attrNameLst>
+                                          <p:attrName>style.visibility</p:attrName>
+                                        </p:attrNameLst>
+                                      </p:cBhvr>
+                                      <p:to>
+                                        <p:strVal val="visible"/>
+                                      </p:to>
+                                    </p:set>
+                                    <p:animEffect transition="in" filter="fade">
+                                      <p:cBhvr>
+                                        <p:cTn id="12" dur="500"/>
+                                        <p:tgtEl>
+                                          <p:spTgt spid="955396"/>
                                         </p:tgtEl>
                                       </p:cBhvr>
                                     </p:animEffect>
